--- a/Наработки/книги/Блок-схема сюжета.pptx
+++ b/Наработки/книги/Блок-схема сюжета.pptx
@@ -209,7 +209,7 @@
             <a:fld id="{33E3D7F9-E251-484C-A6FF-FA958879DF69}" type="datetimeFigureOut">
               <a:rPr lang="ru-RU" smtClean="0"/>
               <a:pPr/>
-              <a:t>05.01.2022</a:t>
+              <a:t>14.09.2022</a:t>
             </a:fld>
             <a:endParaRPr lang="ru-RU"/>
           </a:p>
@@ -273,38 +273,37 @@
           <a:p>
             <a:pPr lvl="0"/>
             <a:r>
-              <a:rPr lang="ru-RU" smtClean="0"/>
+              <a:rPr lang="ru-RU"/>
               <a:t>Образец текста</a:t>
             </a:r>
           </a:p>
           <a:p>
             <a:pPr lvl="1"/>
             <a:r>
-              <a:rPr lang="ru-RU" smtClean="0"/>
+              <a:rPr lang="ru-RU"/>
               <a:t>Второй уровень</a:t>
             </a:r>
           </a:p>
           <a:p>
             <a:pPr lvl="2"/>
             <a:r>
-              <a:rPr lang="ru-RU" smtClean="0"/>
+              <a:rPr lang="ru-RU"/>
               <a:t>Третий уровень</a:t>
             </a:r>
           </a:p>
           <a:p>
             <a:pPr lvl="3"/>
             <a:r>
-              <a:rPr lang="ru-RU" smtClean="0"/>
+              <a:rPr lang="ru-RU"/>
               <a:t>Четвертый уровень</a:t>
             </a:r>
           </a:p>
           <a:p>
             <a:pPr lvl="4"/>
             <a:r>
-              <a:rPr lang="ru-RU" smtClean="0"/>
+              <a:rPr lang="ru-RU"/>
               <a:t>Пятый уровень</a:t>
             </a:r>
-            <a:endParaRPr lang="ru-RU"/>
           </a:p>
         </p:txBody>
       </p:sp>
@@ -610,7 +609,7 @@
           </a:lstStyle>
           <a:p>
             <a:r>
-              <a:rPr lang="ru-RU" smtClean="0"/>
+              <a:rPr lang="ru-RU"/>
               <a:t>Образец заголовка</a:t>
             </a:r>
             <a:endParaRPr lang="en-US" dirty="0"/>
@@ -675,7 +674,7 @@
           </a:lstStyle>
           <a:p>
             <a:r>
-              <a:rPr lang="ru-RU" smtClean="0"/>
+              <a:rPr lang="ru-RU"/>
               <a:t>Образец подзаголовка</a:t>
             </a:r>
             <a:endParaRPr lang="en-US" dirty="0"/>
@@ -700,7 +699,7 @@
             <a:fld id="{85A5DE44-605B-4D3B-B2B7-94543DF81A36}" type="datetimeFigureOut">
               <a:rPr lang="ru-RU" smtClean="0"/>
               <a:pPr/>
-              <a:t>05.01.2022</a:t>
+              <a:t>14.09.2022</a:t>
             </a:fld>
             <a:endParaRPr lang="ru-RU"/>
           </a:p>
@@ -795,7 +794,7 @@
           <a:lstStyle/>
           <a:p>
             <a:r>
-              <a:rPr lang="ru-RU" smtClean="0"/>
+              <a:rPr lang="ru-RU"/>
               <a:t>Образец заголовка</a:t>
             </a:r>
             <a:endParaRPr lang="en-US" dirty="0"/>
@@ -819,35 +818,35 @@
           <a:p>
             <a:pPr lvl="0"/>
             <a:r>
-              <a:rPr lang="ru-RU" smtClean="0"/>
+              <a:rPr lang="ru-RU"/>
               <a:t>Образец текста</a:t>
             </a:r>
           </a:p>
           <a:p>
             <a:pPr lvl="1"/>
             <a:r>
-              <a:rPr lang="ru-RU" smtClean="0"/>
+              <a:rPr lang="ru-RU"/>
               <a:t>Второй уровень</a:t>
             </a:r>
           </a:p>
           <a:p>
             <a:pPr lvl="2"/>
             <a:r>
-              <a:rPr lang="ru-RU" smtClean="0"/>
+              <a:rPr lang="ru-RU"/>
               <a:t>Третий уровень</a:t>
             </a:r>
           </a:p>
           <a:p>
             <a:pPr lvl="3"/>
             <a:r>
-              <a:rPr lang="ru-RU" smtClean="0"/>
+              <a:rPr lang="ru-RU"/>
               <a:t>Четвертый уровень</a:t>
             </a:r>
           </a:p>
           <a:p>
             <a:pPr lvl="4"/>
             <a:r>
-              <a:rPr lang="ru-RU" smtClean="0"/>
+              <a:rPr lang="ru-RU"/>
               <a:t>Пятый уровень</a:t>
             </a:r>
             <a:endParaRPr lang="en-US" dirty="0"/>
@@ -872,7 +871,7 @@
             <a:fld id="{85A5DE44-605B-4D3B-B2B7-94543DF81A36}" type="datetimeFigureOut">
               <a:rPr lang="ru-RU" smtClean="0"/>
               <a:pPr/>
-              <a:t>05.01.2022</a:t>
+              <a:t>14.09.2022</a:t>
             </a:fld>
             <a:endParaRPr lang="ru-RU"/>
           </a:p>
@@ -972,7 +971,7 @@
           <a:lstStyle/>
           <a:p>
             <a:r>
-              <a:rPr lang="ru-RU" smtClean="0"/>
+              <a:rPr lang="ru-RU"/>
               <a:t>Образец заголовка</a:t>
             </a:r>
             <a:endParaRPr lang="en-US" dirty="0"/>
@@ -1001,35 +1000,35 @@
           <a:p>
             <a:pPr lvl="0"/>
             <a:r>
-              <a:rPr lang="ru-RU" smtClean="0"/>
+              <a:rPr lang="ru-RU"/>
               <a:t>Образец текста</a:t>
             </a:r>
           </a:p>
           <a:p>
             <a:pPr lvl="1"/>
             <a:r>
-              <a:rPr lang="ru-RU" smtClean="0"/>
+              <a:rPr lang="ru-RU"/>
               <a:t>Второй уровень</a:t>
             </a:r>
           </a:p>
           <a:p>
             <a:pPr lvl="2"/>
             <a:r>
-              <a:rPr lang="ru-RU" smtClean="0"/>
+              <a:rPr lang="ru-RU"/>
               <a:t>Третий уровень</a:t>
             </a:r>
           </a:p>
           <a:p>
             <a:pPr lvl="3"/>
             <a:r>
-              <a:rPr lang="ru-RU" smtClean="0"/>
+              <a:rPr lang="ru-RU"/>
               <a:t>Четвертый уровень</a:t>
             </a:r>
           </a:p>
           <a:p>
             <a:pPr lvl="4"/>
             <a:r>
-              <a:rPr lang="ru-RU" smtClean="0"/>
+              <a:rPr lang="ru-RU"/>
               <a:t>Пятый уровень</a:t>
             </a:r>
             <a:endParaRPr lang="en-US" dirty="0"/>
@@ -1054,7 +1053,7 @@
             <a:fld id="{85A5DE44-605B-4D3B-B2B7-94543DF81A36}" type="datetimeFigureOut">
               <a:rPr lang="ru-RU" smtClean="0"/>
               <a:pPr/>
-              <a:t>05.01.2022</a:t>
+              <a:t>14.09.2022</a:t>
             </a:fld>
             <a:endParaRPr lang="ru-RU"/>
           </a:p>
@@ -1149,7 +1148,7 @@
           <a:lstStyle/>
           <a:p>
             <a:r>
-              <a:rPr lang="ru-RU" smtClean="0"/>
+              <a:rPr lang="ru-RU"/>
               <a:t>Образец заголовка</a:t>
             </a:r>
             <a:endParaRPr lang="en-US" dirty="0"/>
@@ -1173,35 +1172,35 @@
           <a:p>
             <a:pPr lvl="0"/>
             <a:r>
-              <a:rPr lang="ru-RU" smtClean="0"/>
+              <a:rPr lang="ru-RU"/>
               <a:t>Образец текста</a:t>
             </a:r>
           </a:p>
           <a:p>
             <a:pPr lvl="1"/>
             <a:r>
-              <a:rPr lang="ru-RU" smtClean="0"/>
+              <a:rPr lang="ru-RU"/>
               <a:t>Второй уровень</a:t>
             </a:r>
           </a:p>
           <a:p>
             <a:pPr lvl="2"/>
             <a:r>
-              <a:rPr lang="ru-RU" smtClean="0"/>
+              <a:rPr lang="ru-RU"/>
               <a:t>Третий уровень</a:t>
             </a:r>
           </a:p>
           <a:p>
             <a:pPr lvl="3"/>
             <a:r>
-              <a:rPr lang="ru-RU" smtClean="0"/>
+              <a:rPr lang="ru-RU"/>
               <a:t>Четвертый уровень</a:t>
             </a:r>
           </a:p>
           <a:p>
             <a:pPr lvl="4"/>
             <a:r>
-              <a:rPr lang="ru-RU" smtClean="0"/>
+              <a:rPr lang="ru-RU"/>
               <a:t>Пятый уровень</a:t>
             </a:r>
             <a:endParaRPr lang="en-US" dirty="0"/>
@@ -1226,7 +1225,7 @@
             <a:fld id="{85A5DE44-605B-4D3B-B2B7-94543DF81A36}" type="datetimeFigureOut">
               <a:rPr lang="ru-RU" smtClean="0"/>
               <a:pPr/>
-              <a:t>05.01.2022</a:t>
+              <a:t>14.09.2022</a:t>
             </a:fld>
             <a:endParaRPr lang="ru-RU"/>
           </a:p>
@@ -1330,7 +1329,7 @@
           </a:lstStyle>
           <a:p>
             <a:r>
-              <a:rPr lang="ru-RU" smtClean="0"/>
+              <a:rPr lang="ru-RU"/>
               <a:t>Образец заголовка</a:t>
             </a:r>
             <a:endParaRPr lang="en-US" dirty="0"/>
@@ -1450,7 +1449,7 @@
           <a:p>
             <a:pPr lvl="0"/>
             <a:r>
-              <a:rPr lang="ru-RU" smtClean="0"/>
+              <a:rPr lang="ru-RU"/>
               <a:t>Образец текста</a:t>
             </a:r>
           </a:p>
@@ -1474,7 +1473,7 @@
             <a:fld id="{85A5DE44-605B-4D3B-B2B7-94543DF81A36}" type="datetimeFigureOut">
               <a:rPr lang="ru-RU" smtClean="0"/>
               <a:pPr/>
-              <a:t>05.01.2022</a:t>
+              <a:t>14.09.2022</a:t>
             </a:fld>
             <a:endParaRPr lang="ru-RU"/>
           </a:p>
@@ -1569,7 +1568,7 @@
           <a:lstStyle/>
           <a:p>
             <a:r>
-              <a:rPr lang="ru-RU" smtClean="0"/>
+              <a:rPr lang="ru-RU"/>
               <a:t>Образец заголовка</a:t>
             </a:r>
             <a:endParaRPr lang="en-US" dirty="0"/>
@@ -1598,35 +1597,35 @@
           <a:p>
             <a:pPr lvl="0"/>
             <a:r>
-              <a:rPr lang="ru-RU" smtClean="0"/>
+              <a:rPr lang="ru-RU"/>
               <a:t>Образец текста</a:t>
             </a:r>
           </a:p>
           <a:p>
             <a:pPr lvl="1"/>
             <a:r>
-              <a:rPr lang="ru-RU" smtClean="0"/>
+              <a:rPr lang="ru-RU"/>
               <a:t>Второй уровень</a:t>
             </a:r>
           </a:p>
           <a:p>
             <a:pPr lvl="2"/>
             <a:r>
-              <a:rPr lang="ru-RU" smtClean="0"/>
+              <a:rPr lang="ru-RU"/>
               <a:t>Третий уровень</a:t>
             </a:r>
           </a:p>
           <a:p>
             <a:pPr lvl="3"/>
             <a:r>
-              <a:rPr lang="ru-RU" smtClean="0"/>
+              <a:rPr lang="ru-RU"/>
               <a:t>Четвертый уровень</a:t>
             </a:r>
           </a:p>
           <a:p>
             <a:pPr lvl="4"/>
             <a:r>
-              <a:rPr lang="ru-RU" smtClean="0"/>
+              <a:rPr lang="ru-RU"/>
               <a:t>Пятый уровень</a:t>
             </a:r>
             <a:endParaRPr lang="en-US" dirty="0"/>
@@ -1655,35 +1654,35 @@
           <a:p>
             <a:pPr lvl="0"/>
             <a:r>
-              <a:rPr lang="ru-RU" smtClean="0"/>
+              <a:rPr lang="ru-RU"/>
               <a:t>Образец текста</a:t>
             </a:r>
           </a:p>
           <a:p>
             <a:pPr lvl="1"/>
             <a:r>
-              <a:rPr lang="ru-RU" smtClean="0"/>
+              <a:rPr lang="ru-RU"/>
               <a:t>Второй уровень</a:t>
             </a:r>
           </a:p>
           <a:p>
             <a:pPr lvl="2"/>
             <a:r>
-              <a:rPr lang="ru-RU" smtClean="0"/>
+              <a:rPr lang="ru-RU"/>
               <a:t>Третий уровень</a:t>
             </a:r>
           </a:p>
           <a:p>
             <a:pPr lvl="3"/>
             <a:r>
-              <a:rPr lang="ru-RU" smtClean="0"/>
+              <a:rPr lang="ru-RU"/>
               <a:t>Четвертый уровень</a:t>
             </a:r>
           </a:p>
           <a:p>
             <a:pPr lvl="4"/>
             <a:r>
-              <a:rPr lang="ru-RU" smtClean="0"/>
+              <a:rPr lang="ru-RU"/>
               <a:t>Пятый уровень</a:t>
             </a:r>
             <a:endParaRPr lang="en-US" dirty="0"/>
@@ -1708,7 +1707,7 @@
             <a:fld id="{85A5DE44-605B-4D3B-B2B7-94543DF81A36}" type="datetimeFigureOut">
               <a:rPr lang="ru-RU" smtClean="0"/>
               <a:pPr/>
-              <a:t>05.01.2022</a:t>
+              <a:t>14.09.2022</a:t>
             </a:fld>
             <a:endParaRPr lang="ru-RU"/>
           </a:p>
@@ -1808,7 +1807,7 @@
           <a:lstStyle/>
           <a:p>
             <a:r>
-              <a:rPr lang="ru-RU" smtClean="0"/>
+              <a:rPr lang="ru-RU"/>
               <a:t>Образец заголовка</a:t>
             </a:r>
             <a:endParaRPr lang="en-US" dirty="0"/>
@@ -1874,7 +1873,7 @@
           <a:p>
             <a:pPr lvl="0"/>
             <a:r>
-              <a:rPr lang="ru-RU" smtClean="0"/>
+              <a:rPr lang="ru-RU"/>
               <a:t>Образец текста</a:t>
             </a:r>
           </a:p>
@@ -1902,35 +1901,35 @@
           <a:p>
             <a:pPr lvl="0"/>
             <a:r>
-              <a:rPr lang="ru-RU" smtClean="0"/>
+              <a:rPr lang="ru-RU"/>
               <a:t>Образец текста</a:t>
             </a:r>
           </a:p>
           <a:p>
             <a:pPr lvl="1"/>
             <a:r>
-              <a:rPr lang="ru-RU" smtClean="0"/>
+              <a:rPr lang="ru-RU"/>
               <a:t>Второй уровень</a:t>
             </a:r>
           </a:p>
           <a:p>
             <a:pPr lvl="2"/>
             <a:r>
-              <a:rPr lang="ru-RU" smtClean="0"/>
+              <a:rPr lang="ru-RU"/>
               <a:t>Третий уровень</a:t>
             </a:r>
           </a:p>
           <a:p>
             <a:pPr lvl="3"/>
             <a:r>
-              <a:rPr lang="ru-RU" smtClean="0"/>
+              <a:rPr lang="ru-RU"/>
               <a:t>Четвертый уровень</a:t>
             </a:r>
           </a:p>
           <a:p>
             <a:pPr lvl="4"/>
             <a:r>
-              <a:rPr lang="ru-RU" smtClean="0"/>
+              <a:rPr lang="ru-RU"/>
               <a:t>Пятый уровень</a:t>
             </a:r>
             <a:endParaRPr lang="en-US" dirty="0"/>
@@ -1996,7 +1995,7 @@
           <a:p>
             <a:pPr lvl="0"/>
             <a:r>
-              <a:rPr lang="ru-RU" smtClean="0"/>
+              <a:rPr lang="ru-RU"/>
               <a:t>Образец текста</a:t>
             </a:r>
           </a:p>
@@ -2024,35 +2023,35 @@
           <a:p>
             <a:pPr lvl="0"/>
             <a:r>
-              <a:rPr lang="ru-RU" smtClean="0"/>
+              <a:rPr lang="ru-RU"/>
               <a:t>Образец текста</a:t>
             </a:r>
           </a:p>
           <a:p>
             <a:pPr lvl="1"/>
             <a:r>
-              <a:rPr lang="ru-RU" smtClean="0"/>
+              <a:rPr lang="ru-RU"/>
               <a:t>Второй уровень</a:t>
             </a:r>
           </a:p>
           <a:p>
             <a:pPr lvl="2"/>
             <a:r>
-              <a:rPr lang="ru-RU" smtClean="0"/>
+              <a:rPr lang="ru-RU"/>
               <a:t>Третий уровень</a:t>
             </a:r>
           </a:p>
           <a:p>
             <a:pPr lvl="3"/>
             <a:r>
-              <a:rPr lang="ru-RU" smtClean="0"/>
+              <a:rPr lang="ru-RU"/>
               <a:t>Четвертый уровень</a:t>
             </a:r>
           </a:p>
           <a:p>
             <a:pPr lvl="4"/>
             <a:r>
-              <a:rPr lang="ru-RU" smtClean="0"/>
+              <a:rPr lang="ru-RU"/>
               <a:t>Пятый уровень</a:t>
             </a:r>
             <a:endParaRPr lang="en-US" dirty="0"/>
@@ -2077,7 +2076,7 @@
             <a:fld id="{85A5DE44-605B-4D3B-B2B7-94543DF81A36}" type="datetimeFigureOut">
               <a:rPr lang="ru-RU" smtClean="0"/>
               <a:pPr/>
-              <a:t>05.01.2022</a:t>
+              <a:t>14.09.2022</a:t>
             </a:fld>
             <a:endParaRPr lang="ru-RU"/>
           </a:p>
@@ -2172,7 +2171,7 @@
           <a:lstStyle/>
           <a:p>
             <a:r>
-              <a:rPr lang="ru-RU" smtClean="0"/>
+              <a:rPr lang="ru-RU"/>
               <a:t>Образец заголовка</a:t>
             </a:r>
             <a:endParaRPr lang="en-US" dirty="0"/>
@@ -2197,7 +2196,7 @@
             <a:fld id="{85A5DE44-605B-4D3B-B2B7-94543DF81A36}" type="datetimeFigureOut">
               <a:rPr lang="ru-RU" smtClean="0"/>
               <a:pPr/>
-              <a:t>05.01.2022</a:t>
+              <a:t>14.09.2022</a:t>
             </a:fld>
             <a:endParaRPr lang="ru-RU"/>
           </a:p>
@@ -2294,7 +2293,7 @@
             <a:fld id="{85A5DE44-605B-4D3B-B2B7-94543DF81A36}" type="datetimeFigureOut">
               <a:rPr lang="ru-RU" smtClean="0"/>
               <a:pPr/>
-              <a:t>05.01.2022</a:t>
+              <a:t>14.09.2022</a:t>
             </a:fld>
             <a:endParaRPr lang="ru-RU"/>
           </a:p>
@@ -2398,7 +2397,7 @@
           </a:lstStyle>
           <a:p>
             <a:r>
-              <a:rPr lang="ru-RU" smtClean="0"/>
+              <a:rPr lang="ru-RU"/>
               <a:t>Образец заголовка</a:t>
             </a:r>
             <a:endParaRPr lang="en-US" dirty="0"/>
@@ -2455,35 +2454,35 @@
           <a:p>
             <a:pPr lvl="0"/>
             <a:r>
-              <a:rPr lang="ru-RU" smtClean="0"/>
+              <a:rPr lang="ru-RU"/>
               <a:t>Образец текста</a:t>
             </a:r>
           </a:p>
           <a:p>
             <a:pPr lvl="1"/>
             <a:r>
-              <a:rPr lang="ru-RU" smtClean="0"/>
+              <a:rPr lang="ru-RU"/>
               <a:t>Второй уровень</a:t>
             </a:r>
           </a:p>
           <a:p>
             <a:pPr lvl="2"/>
             <a:r>
-              <a:rPr lang="ru-RU" smtClean="0"/>
+              <a:rPr lang="ru-RU"/>
               <a:t>Третий уровень</a:t>
             </a:r>
           </a:p>
           <a:p>
             <a:pPr lvl="3"/>
             <a:r>
-              <a:rPr lang="ru-RU" smtClean="0"/>
+              <a:rPr lang="ru-RU"/>
               <a:t>Четвертый уровень</a:t>
             </a:r>
           </a:p>
           <a:p>
             <a:pPr lvl="4"/>
             <a:r>
-              <a:rPr lang="ru-RU" smtClean="0"/>
+              <a:rPr lang="ru-RU"/>
               <a:t>Пятый уровень</a:t>
             </a:r>
             <a:endParaRPr lang="en-US" dirty="0"/>
@@ -2549,7 +2548,7 @@
           <a:p>
             <a:pPr lvl="0"/>
             <a:r>
-              <a:rPr lang="ru-RU" smtClean="0"/>
+              <a:rPr lang="ru-RU"/>
               <a:t>Образец текста</a:t>
             </a:r>
           </a:p>
@@ -2573,7 +2572,7 @@
             <a:fld id="{85A5DE44-605B-4D3B-B2B7-94543DF81A36}" type="datetimeFigureOut">
               <a:rPr lang="ru-RU" smtClean="0"/>
               <a:pPr/>
-              <a:t>05.01.2022</a:t>
+              <a:t>14.09.2022</a:t>
             </a:fld>
             <a:endParaRPr lang="ru-RU"/>
           </a:p>
@@ -2677,7 +2676,7 @@
           </a:lstStyle>
           <a:p>
             <a:r>
-              <a:rPr lang="ru-RU" smtClean="0"/>
+              <a:rPr lang="ru-RU"/>
               <a:t>Образец заголовка</a:t>
             </a:r>
             <a:endParaRPr lang="en-US" dirty="0"/>
@@ -2742,7 +2741,7 @@
           </a:lstStyle>
           <a:p>
             <a:r>
-              <a:rPr lang="ru-RU" smtClean="0"/>
+              <a:rPr lang="ru-RU"/>
               <a:t>Вставка рисунка</a:t>
             </a:r>
             <a:endParaRPr lang="en-US" dirty="0"/>
@@ -2808,7 +2807,7 @@
           <a:p>
             <a:pPr lvl="0"/>
             <a:r>
-              <a:rPr lang="ru-RU" smtClean="0"/>
+              <a:rPr lang="ru-RU"/>
               <a:t>Образец текста</a:t>
             </a:r>
           </a:p>
@@ -2832,7 +2831,7 @@
             <a:fld id="{85A5DE44-605B-4D3B-B2B7-94543DF81A36}" type="datetimeFigureOut">
               <a:rPr lang="ru-RU" smtClean="0"/>
               <a:pPr/>
-              <a:t>05.01.2022</a:t>
+              <a:t>14.09.2022</a:t>
             </a:fld>
             <a:endParaRPr lang="ru-RU"/>
           </a:p>
@@ -2942,7 +2941,7 @@
           <a:lstStyle/>
           <a:p>
             <a:r>
-              <a:rPr lang="ru-RU" smtClean="0"/>
+              <a:rPr lang="ru-RU"/>
               <a:t>Образец заголовка</a:t>
             </a:r>
             <a:endParaRPr lang="en-US" dirty="0"/>
@@ -2976,35 +2975,35 @@
           <a:p>
             <a:pPr lvl="0"/>
             <a:r>
-              <a:rPr lang="ru-RU" smtClean="0"/>
+              <a:rPr lang="ru-RU"/>
               <a:t>Образец текста</a:t>
             </a:r>
           </a:p>
           <a:p>
             <a:pPr lvl="1"/>
             <a:r>
-              <a:rPr lang="ru-RU" smtClean="0"/>
+              <a:rPr lang="ru-RU"/>
               <a:t>Второй уровень</a:t>
             </a:r>
           </a:p>
           <a:p>
             <a:pPr lvl="2"/>
             <a:r>
-              <a:rPr lang="ru-RU" smtClean="0"/>
+              <a:rPr lang="ru-RU"/>
               <a:t>Третий уровень</a:t>
             </a:r>
           </a:p>
           <a:p>
             <a:pPr lvl="3"/>
             <a:r>
-              <a:rPr lang="ru-RU" smtClean="0"/>
+              <a:rPr lang="ru-RU"/>
               <a:t>Четвертый уровень</a:t>
             </a:r>
           </a:p>
           <a:p>
             <a:pPr lvl="4"/>
             <a:r>
-              <a:rPr lang="ru-RU" smtClean="0"/>
+              <a:rPr lang="ru-RU"/>
               <a:t>Пятый уровень</a:t>
             </a:r>
             <a:endParaRPr lang="en-US" dirty="0"/>
@@ -3047,7 +3046,7 @@
             <a:fld id="{85A5DE44-605B-4D3B-B2B7-94543DF81A36}" type="datetimeFigureOut">
               <a:rPr lang="ru-RU" smtClean="0"/>
               <a:pPr/>
-              <a:t>05.01.2022</a:t>
+              <a:t>14.09.2022</a:t>
             </a:fld>
             <a:endParaRPr lang="ru-RU"/>
           </a:p>
@@ -3461,7 +3460,7 @@
         </p:nvSpPr>
         <p:spPr>
           <a:xfrm>
-            <a:off x="1823003" y="158615"/>
+            <a:off x="2148696" y="188551"/>
             <a:ext cx="2115918" cy="1080000"/>
           </a:xfrm>
           <a:prstGeom prst="rect">
@@ -3489,10 +3488,9 @@
           <a:p>
             <a:pPr algn="ctr"/>
             <a:r>
-              <a:rPr lang="ru-RU" sz="1400" dirty="0" smtClean="0"/>
+              <a:rPr lang="ru-RU" sz="1400" dirty="0"/>
               <a:t>Глава 2</a:t>
             </a:r>
-            <a:endParaRPr lang="ru-RU" sz="1400" dirty="0"/>
           </a:p>
         </p:txBody>
       </p:sp>
@@ -3532,7 +3530,7 @@
           <a:p>
             <a:pPr algn="ctr"/>
             <a:r>
-              <a:rPr lang="ru-RU" sz="1400" dirty="0" smtClean="0"/>
+              <a:rPr lang="ru-RU" sz="1400" dirty="0"/>
               <a:t>Получение информации касательно фиолетовой крови, сектанты в трактире с опознавательным знаком на руке, может одного из них добавить в автобус?</a:t>
             </a:r>
           </a:p>
@@ -3546,7 +3544,7 @@
         </p:nvSpPr>
         <p:spPr>
           <a:xfrm>
-            <a:off x="405913" y="3231995"/>
+            <a:off x="6940063" y="1541186"/>
             <a:ext cx="5601481" cy="1403799"/>
           </a:xfrm>
           <a:prstGeom prst="rect">
@@ -3574,14 +3572,9 @@
           <a:p>
             <a:pPr algn="ctr"/>
             <a:r>
-              <a:rPr lang="ru-RU" sz="1400" dirty="0" err="1" smtClean="0"/>
-              <a:t>Кошак</a:t>
-            </a:r>
-            <a:r>
-              <a:rPr lang="ru-RU" sz="1400" dirty="0" smtClean="0"/>
-              <a:t>, нападение жреца-индуса и заклинателя, их убийство (оставить организацию безымянной?).</a:t>
-            </a:r>
-            <a:endParaRPr lang="ru-RU" sz="1400" dirty="0"/>
+              <a:rPr lang="ru-RU" sz="1400" dirty="0"/>
+              <a:t>Сражение с наёмниками, вмешательство сектантов</a:t>
+            </a:r>
           </a:p>
         </p:txBody>
       </p:sp>
@@ -3595,9 +3588,9 @@
           <p:nvPr/>
         </p:nvCxnSpPr>
         <p:spPr>
-          <a:xfrm rot="16200000" flipH="1">
-            <a:off x="2811573" y="1308004"/>
-            <a:ext cx="464471" cy="325692"/>
+          <a:xfrm rot="5400000">
+            <a:off x="2989388" y="1485818"/>
+            <a:ext cx="434535" cy="1"/>
           </a:xfrm>
           <a:prstGeom prst="bentConnector3">
             <a:avLst>
@@ -3631,7 +3624,7 @@
         </p:nvSpPr>
         <p:spPr>
           <a:xfrm>
-            <a:off x="405914" y="5342965"/>
+            <a:off x="6940063" y="3814056"/>
             <a:ext cx="5601480" cy="1080000"/>
           </a:xfrm>
           <a:prstGeom prst="rect">
@@ -3659,23 +3652,23 @@
           <a:p>
             <a:pPr algn="ctr"/>
             <a:r>
-              <a:rPr lang="ru-RU" sz="1400" dirty="0" smtClean="0"/>
-              <a:t>Секстанты захватывают обессиленного </a:t>
-            </a:r>
-            <a:r>
-              <a:rPr lang="ru-RU" sz="1400" dirty="0" err="1" smtClean="0"/>
+              <a:rPr lang="ru-RU" sz="1400" dirty="0"/>
+              <a:t>Сектанты захватывают обессиленного </a:t>
+            </a:r>
+            <a:r>
+              <a:rPr lang="ru-RU" sz="1400" dirty="0" err="1"/>
               <a:t>гг</a:t>
             </a:r>
             <a:r>
-              <a:rPr lang="ru-RU" sz="1400" dirty="0" smtClean="0"/>
+              <a:rPr lang="ru-RU" sz="1400" dirty="0"/>
               <a:t>, тот очнулся на жертвенной плите, жертва, </a:t>
             </a:r>
             <a:r>
-              <a:rPr lang="ru-RU" sz="1400" dirty="0" err="1" smtClean="0"/>
+              <a:rPr lang="ru-RU" sz="1400" dirty="0" err="1"/>
               <a:t>мозвожно</a:t>
             </a:r>
             <a:r>
-              <a:rPr lang="ru-RU" sz="1400" dirty="0" smtClean="0"/>
+              <a:rPr lang="ru-RU" sz="1400" dirty="0"/>
               <a:t> укус паук, дыхание Первого круга и конец главы</a:t>
             </a:r>
           </a:p>
@@ -3685,15 +3678,16 @@
         <p:nvCxnSpPr>
           <p:cNvPr id="219" name="Соединительная линия уступом 218"/>
           <p:cNvCxnSpPr>
-            <a:stCxn id="372" idx="2"/>
+            <a:cxnSpLocks/>
+            <a:stCxn id="227" idx="2"/>
             <a:endCxn id="384" idx="0"/>
           </p:cNvCxnSpPr>
           <p:nvPr/>
         </p:nvCxnSpPr>
         <p:spPr>
-          <a:xfrm rot="5400000">
-            <a:off x="2982200" y="3007540"/>
-            <a:ext cx="448909" cy="12700"/>
+          <a:xfrm rot="16200000" flipH="1">
+            <a:off x="9576268" y="1376649"/>
+            <a:ext cx="329071" cy="1"/>
           </a:xfrm>
           <a:prstGeom prst="bentConnector3">
             <a:avLst>
@@ -3730,8 +3724,8 @@
         </p:nvCxnSpPr>
         <p:spPr>
           <a:xfrm rot="5400000">
-            <a:off x="2853069" y="4989379"/>
-            <a:ext cx="707171" cy="12700"/>
+            <a:off x="9306269" y="3379520"/>
+            <a:ext cx="869071" cy="1"/>
           </a:xfrm>
           <a:prstGeom prst="bentConnector3">
             <a:avLst>
@@ -3765,7 +3759,7 @@
         </p:nvSpPr>
         <p:spPr>
           <a:xfrm>
-            <a:off x="8578222" y="158615"/>
+            <a:off x="8682844" y="132115"/>
             <a:ext cx="2115918" cy="1080000"/>
           </a:xfrm>
           <a:prstGeom prst="rect">
@@ -3793,23 +3787,28 @@
           <a:p>
             <a:pPr algn="ctr"/>
             <a:r>
-              <a:rPr lang="ru-RU" sz="1400" dirty="0" smtClean="0"/>
+              <a:rPr lang="ru-RU" sz="1400" dirty="0"/>
               <a:t>Глава 3</a:t>
             </a:r>
-            <a:endParaRPr lang="ru-RU" sz="1400" dirty="0"/>
-          </a:p>
-        </p:txBody>
-      </p:sp>
-      <p:sp>
-        <p:nvSpPr>
-          <p:cNvPr id="228" name="Прямоугольник 227"/>
+          </a:p>
+        </p:txBody>
+      </p:sp>
+      <p:sp>
+        <p:nvSpPr>
+          <p:cNvPr id="15" name="Прямоугольник 14">
+            <a:extLst>
+              <a:ext uri="{FF2B5EF4-FFF2-40B4-BE49-F238E27FC236}">
+                <a16:creationId xmlns:a16="http://schemas.microsoft.com/office/drawing/2014/main" id="{B8E8630C-AE7D-4979-AFFD-AE893102CCD2}"/>
+              </a:ext>
+            </a:extLst>
+          </p:cNvPr>
           <p:cNvSpPr/>
           <p:nvPr/>
         </p:nvSpPr>
         <p:spPr>
           <a:xfrm>
-            <a:off x="6764264" y="1703086"/>
-            <a:ext cx="5743834" cy="1080000"/>
+            <a:off x="405914" y="3652156"/>
+            <a:ext cx="5601481" cy="1403799"/>
           </a:xfrm>
           <a:prstGeom prst="rect">
             <a:avLst/>
@@ -3835,10 +3834,62 @@
           <a:lstStyle/>
           <a:p>
             <a:pPr algn="ctr"/>
-            <a:endParaRPr lang="ru-RU" sz="1400" dirty="0"/>
-          </a:p>
-        </p:txBody>
-      </p:sp>
+            <a:r>
+              <a:rPr lang="ru-RU" sz="1400" dirty="0" err="1"/>
+              <a:t>Кошак</a:t>
+            </a:r>
+            <a:r>
+              <a:rPr lang="ru-RU" sz="1400" dirty="0"/>
+              <a:t>, нападение жреца-индуса и заклинателя</a:t>
+            </a:r>
+          </a:p>
+        </p:txBody>
+      </p:sp>
+      <p:cxnSp>
+        <p:nvCxnSpPr>
+          <p:cNvPr id="16" name="Соединительная линия уступом 387">
+            <a:extLst>
+              <a:ext uri="{FF2B5EF4-FFF2-40B4-BE49-F238E27FC236}">
+                <a16:creationId xmlns:a16="http://schemas.microsoft.com/office/drawing/2014/main" id="{67DD0939-E3B5-4E9D-956B-07E29B0C107F}"/>
+              </a:ext>
+            </a:extLst>
+          </p:cNvPr>
+          <p:cNvCxnSpPr>
+            <a:cxnSpLocks/>
+            <a:stCxn id="372" idx="2"/>
+            <a:endCxn id="15" idx="0"/>
+          </p:cNvCxnSpPr>
+          <p:nvPr/>
+        </p:nvCxnSpPr>
+        <p:spPr>
+          <a:xfrm rot="16200000" flipH="1">
+            <a:off x="2772119" y="3217620"/>
+            <a:ext cx="869070" cy="1"/>
+          </a:xfrm>
+          <a:prstGeom prst="bentConnector3">
+            <a:avLst>
+              <a:gd name="adj1" fmla="val 50000"/>
+            </a:avLst>
+          </a:prstGeom>
+          <a:ln w="28575">
+            <a:tailEnd type="arrow"/>
+          </a:ln>
+        </p:spPr>
+        <p:style>
+          <a:lnRef idx="1">
+            <a:schemeClr val="accent1"/>
+          </a:lnRef>
+          <a:fillRef idx="0">
+            <a:schemeClr val="accent1"/>
+          </a:fillRef>
+          <a:effectRef idx="0">
+            <a:schemeClr val="accent1"/>
+          </a:effectRef>
+          <a:fontRef idx="minor">
+            <a:schemeClr val="tx1"/>
+          </a:fontRef>
+        </p:style>
+      </p:cxnSp>
     </p:spTree>
     <p:extLst>
       <p:ext uri="{BB962C8B-B14F-4D97-AF65-F5344CB8AC3E}">
@@ -3849,13 +3900,6 @@
   <p:clrMapOvr>
     <a:masterClrMapping/>
   </p:clrMapOvr>
-  <p:timing>
-    <p:tnLst>
-      <p:par>
-        <p:cTn id="1" dur="indefinite" restart="never" nodeType="tmRoot"/>
-      </p:par>
-    </p:tnLst>
-  </p:timing>
 </p:sld>
 </file>
 

--- a/Наработки/книги/Блок-схема сюжета.pptx
+++ b/Наработки/книги/Блок-схема сюжета.pptx
@@ -209,7 +209,7 @@
             <a:fld id="{33E3D7F9-E251-484C-A6FF-FA958879DF69}" type="datetimeFigureOut">
               <a:rPr lang="ru-RU" smtClean="0"/>
               <a:pPr/>
-              <a:t>14.09.2022</a:t>
+              <a:t>15.09.2022</a:t>
             </a:fld>
             <a:endParaRPr lang="ru-RU"/>
           </a:p>
@@ -699,7 +699,7 @@
             <a:fld id="{85A5DE44-605B-4D3B-B2B7-94543DF81A36}" type="datetimeFigureOut">
               <a:rPr lang="ru-RU" smtClean="0"/>
               <a:pPr/>
-              <a:t>14.09.2022</a:t>
+              <a:t>15.09.2022</a:t>
             </a:fld>
             <a:endParaRPr lang="ru-RU"/>
           </a:p>
@@ -871,7 +871,7 @@
             <a:fld id="{85A5DE44-605B-4D3B-B2B7-94543DF81A36}" type="datetimeFigureOut">
               <a:rPr lang="ru-RU" smtClean="0"/>
               <a:pPr/>
-              <a:t>14.09.2022</a:t>
+              <a:t>15.09.2022</a:t>
             </a:fld>
             <a:endParaRPr lang="ru-RU"/>
           </a:p>
@@ -1053,7 +1053,7 @@
             <a:fld id="{85A5DE44-605B-4D3B-B2B7-94543DF81A36}" type="datetimeFigureOut">
               <a:rPr lang="ru-RU" smtClean="0"/>
               <a:pPr/>
-              <a:t>14.09.2022</a:t>
+              <a:t>15.09.2022</a:t>
             </a:fld>
             <a:endParaRPr lang="ru-RU"/>
           </a:p>
@@ -1225,7 +1225,7 @@
             <a:fld id="{85A5DE44-605B-4D3B-B2B7-94543DF81A36}" type="datetimeFigureOut">
               <a:rPr lang="ru-RU" smtClean="0"/>
               <a:pPr/>
-              <a:t>14.09.2022</a:t>
+              <a:t>15.09.2022</a:t>
             </a:fld>
             <a:endParaRPr lang="ru-RU"/>
           </a:p>
@@ -1473,7 +1473,7 @@
             <a:fld id="{85A5DE44-605B-4D3B-B2B7-94543DF81A36}" type="datetimeFigureOut">
               <a:rPr lang="ru-RU" smtClean="0"/>
               <a:pPr/>
-              <a:t>14.09.2022</a:t>
+              <a:t>15.09.2022</a:t>
             </a:fld>
             <a:endParaRPr lang="ru-RU"/>
           </a:p>
@@ -1707,7 +1707,7 @@
             <a:fld id="{85A5DE44-605B-4D3B-B2B7-94543DF81A36}" type="datetimeFigureOut">
               <a:rPr lang="ru-RU" smtClean="0"/>
               <a:pPr/>
-              <a:t>14.09.2022</a:t>
+              <a:t>15.09.2022</a:t>
             </a:fld>
             <a:endParaRPr lang="ru-RU"/>
           </a:p>
@@ -2076,7 +2076,7 @@
             <a:fld id="{85A5DE44-605B-4D3B-B2B7-94543DF81A36}" type="datetimeFigureOut">
               <a:rPr lang="ru-RU" smtClean="0"/>
               <a:pPr/>
-              <a:t>14.09.2022</a:t>
+              <a:t>15.09.2022</a:t>
             </a:fld>
             <a:endParaRPr lang="ru-RU"/>
           </a:p>
@@ -2196,7 +2196,7 @@
             <a:fld id="{85A5DE44-605B-4D3B-B2B7-94543DF81A36}" type="datetimeFigureOut">
               <a:rPr lang="ru-RU" smtClean="0"/>
               <a:pPr/>
-              <a:t>14.09.2022</a:t>
+              <a:t>15.09.2022</a:t>
             </a:fld>
             <a:endParaRPr lang="ru-RU"/>
           </a:p>
@@ -2293,7 +2293,7 @@
             <a:fld id="{85A5DE44-605B-4D3B-B2B7-94543DF81A36}" type="datetimeFigureOut">
               <a:rPr lang="ru-RU" smtClean="0"/>
               <a:pPr/>
-              <a:t>14.09.2022</a:t>
+              <a:t>15.09.2022</a:t>
             </a:fld>
             <a:endParaRPr lang="ru-RU"/>
           </a:p>
@@ -2572,7 +2572,7 @@
             <a:fld id="{85A5DE44-605B-4D3B-B2B7-94543DF81A36}" type="datetimeFigureOut">
               <a:rPr lang="ru-RU" smtClean="0"/>
               <a:pPr/>
-              <a:t>14.09.2022</a:t>
+              <a:t>15.09.2022</a:t>
             </a:fld>
             <a:endParaRPr lang="ru-RU"/>
           </a:p>
@@ -2831,7 +2831,7 @@
             <a:fld id="{85A5DE44-605B-4D3B-B2B7-94543DF81A36}" type="datetimeFigureOut">
               <a:rPr lang="ru-RU" smtClean="0"/>
               <a:pPr/>
-              <a:t>14.09.2022</a:t>
+              <a:t>15.09.2022</a:t>
             </a:fld>
             <a:endParaRPr lang="ru-RU"/>
           </a:p>
@@ -3046,7 +3046,7 @@
             <a:fld id="{85A5DE44-605B-4D3B-B2B7-94543DF81A36}" type="datetimeFigureOut">
               <a:rPr lang="ru-RU" smtClean="0"/>
               <a:pPr/>
-              <a:t>14.09.2022</a:t>
+              <a:t>15.09.2022</a:t>
             </a:fld>
             <a:endParaRPr lang="ru-RU"/>
           </a:p>
@@ -3661,15 +3661,7 @@
             </a:r>
             <a:r>
               <a:rPr lang="ru-RU" sz="1400" dirty="0"/>
-              <a:t>, тот очнулся на жертвенной плите, жертва, </a:t>
-            </a:r>
-            <a:r>
-              <a:rPr lang="ru-RU" sz="1400" dirty="0" err="1"/>
-              <a:t>мозвожно</a:t>
-            </a:r>
-            <a:r>
-              <a:rPr lang="ru-RU" sz="1400" dirty="0"/>
-              <a:t> укус паук, дыхание Первого круга и конец главы</a:t>
+              <a:t>, тот очнулся на жертвенной плите, жертва, возможно укус паук, дыхание Первого круга и конец главы</a:t>
             </a:r>
           </a:p>
         </p:txBody>
@@ -3865,6 +3857,240 @@
           <a:xfrm rot="16200000" flipH="1">
             <a:off x="2772119" y="3217620"/>
             <a:ext cx="869070" cy="1"/>
+          </a:xfrm>
+          <a:prstGeom prst="bentConnector3">
+            <a:avLst>
+              <a:gd name="adj1" fmla="val 50000"/>
+            </a:avLst>
+          </a:prstGeom>
+          <a:ln w="28575">
+            <a:tailEnd type="arrow"/>
+          </a:ln>
+        </p:spPr>
+        <p:style>
+          <a:lnRef idx="1">
+            <a:schemeClr val="accent1"/>
+          </a:lnRef>
+          <a:fillRef idx="0">
+            <a:schemeClr val="accent1"/>
+          </a:fillRef>
+          <a:effectRef idx="0">
+            <a:schemeClr val="accent1"/>
+          </a:effectRef>
+          <a:fontRef idx="minor">
+            <a:schemeClr val="tx1"/>
+          </a:fontRef>
+        </p:style>
+      </p:cxnSp>
+      <p:sp>
+        <p:nvSpPr>
+          <p:cNvPr id="12" name="Прямоугольник 11">
+            <a:extLst>
+              <a:ext uri="{FF2B5EF4-FFF2-40B4-BE49-F238E27FC236}">
+                <a16:creationId xmlns:a16="http://schemas.microsoft.com/office/drawing/2014/main" id="{7CADB9B9-4C90-4C9A-A757-AF995AB69A0E}"/>
+              </a:ext>
+            </a:extLst>
+          </p:cNvPr>
+          <p:cNvSpPr/>
+          <p:nvPr/>
+        </p:nvSpPr>
+        <p:spPr>
+          <a:xfrm>
+            <a:off x="14768212" y="132114"/>
+            <a:ext cx="2115918" cy="1080000"/>
+          </a:xfrm>
+          <a:prstGeom prst="rect">
+            <a:avLst/>
+          </a:prstGeom>
+          <a:ln w="28575"/>
+        </p:spPr>
+        <p:style>
+          <a:lnRef idx="2">
+            <a:schemeClr val="accent1"/>
+          </a:lnRef>
+          <a:fillRef idx="1">
+            <a:schemeClr val="lt1"/>
+          </a:fillRef>
+          <a:effectRef idx="0">
+            <a:schemeClr val="accent1"/>
+          </a:effectRef>
+          <a:fontRef idx="minor">
+            <a:schemeClr val="dk1"/>
+          </a:fontRef>
+        </p:style>
+        <p:txBody>
+          <a:bodyPr lIns="124733" tIns="62367" rIns="124733" bIns="62367" rtlCol="0" anchor="ctr"/>
+          <a:lstStyle/>
+          <a:p>
+            <a:pPr algn="ctr"/>
+            <a:r>
+              <a:rPr lang="ru-RU" sz="1400" dirty="0"/>
+              <a:t>Глава 4</a:t>
+            </a:r>
+          </a:p>
+        </p:txBody>
+      </p:sp>
+      <p:sp>
+        <p:nvSpPr>
+          <p:cNvPr id="13" name="Прямоугольник 12">
+            <a:extLst>
+              <a:ext uri="{FF2B5EF4-FFF2-40B4-BE49-F238E27FC236}">
+                <a16:creationId xmlns:a16="http://schemas.microsoft.com/office/drawing/2014/main" id="{065005BA-A63D-425B-AEC4-D3BB8D83CD5D}"/>
+              </a:ext>
+            </a:extLst>
+          </p:cNvPr>
+          <p:cNvSpPr/>
+          <p:nvPr/>
+        </p:nvSpPr>
+        <p:spPr>
+          <a:xfrm>
+            <a:off x="13031780" y="1541186"/>
+            <a:ext cx="5601481" cy="1403799"/>
+          </a:xfrm>
+          <a:prstGeom prst="rect">
+            <a:avLst/>
+          </a:prstGeom>
+          <a:ln w="28575"/>
+        </p:spPr>
+        <p:style>
+          <a:lnRef idx="2">
+            <a:schemeClr val="accent1"/>
+          </a:lnRef>
+          <a:fillRef idx="1">
+            <a:schemeClr val="lt1"/>
+          </a:fillRef>
+          <a:effectRef idx="0">
+            <a:schemeClr val="accent1"/>
+          </a:effectRef>
+          <a:fontRef idx="minor">
+            <a:schemeClr val="dk1"/>
+          </a:fontRef>
+        </p:style>
+        <p:txBody>
+          <a:bodyPr lIns="124733" tIns="62367" rIns="124733" bIns="62367" rtlCol="0" anchor="ctr"/>
+          <a:lstStyle/>
+          <a:p>
+            <a:pPr algn="ctr"/>
+            <a:r>
+              <a:rPr lang="ru-RU" sz="1400" dirty="0"/>
+              <a:t>Очнулся в новом мире после аварии и обнаружил что демон высасывает у него кровь, развалил демона камня, понял что пиздец вокруг и потерял сознание</a:t>
+            </a:r>
+          </a:p>
+        </p:txBody>
+      </p:sp>
+      <p:sp>
+        <p:nvSpPr>
+          <p:cNvPr id="14" name="Прямоугольник 13">
+            <a:extLst>
+              <a:ext uri="{FF2B5EF4-FFF2-40B4-BE49-F238E27FC236}">
+                <a16:creationId xmlns:a16="http://schemas.microsoft.com/office/drawing/2014/main" id="{BC452364-9245-4CC8-957D-EE58B435EFF0}"/>
+              </a:ext>
+            </a:extLst>
+          </p:cNvPr>
+          <p:cNvSpPr/>
+          <p:nvPr/>
+        </p:nvSpPr>
+        <p:spPr>
+          <a:xfrm>
+            <a:off x="13031780" y="3642170"/>
+            <a:ext cx="5601481" cy="1403799"/>
+          </a:xfrm>
+          <a:prstGeom prst="rect">
+            <a:avLst/>
+          </a:prstGeom>
+          <a:ln w="28575"/>
+        </p:spPr>
+        <p:style>
+          <a:lnRef idx="2">
+            <a:schemeClr val="accent1"/>
+          </a:lnRef>
+          <a:fillRef idx="1">
+            <a:schemeClr val="lt1"/>
+          </a:fillRef>
+          <a:effectRef idx="0">
+            <a:schemeClr val="accent1"/>
+          </a:effectRef>
+          <a:fontRef idx="minor">
+            <a:schemeClr val="dk1"/>
+          </a:fontRef>
+        </p:style>
+        <p:txBody>
+          <a:bodyPr lIns="124733" tIns="62367" rIns="124733" bIns="62367" rtlCol="0" anchor="ctr"/>
+          <a:lstStyle/>
+          <a:p>
+            <a:pPr algn="ctr"/>
+            <a:r>
+              <a:rPr lang="ru-RU" sz="1400" dirty="0"/>
+              <a:t>Очнулся в больничке, выслушал о состоянии, встретил мать, прочувствовал семя</a:t>
+            </a:r>
+          </a:p>
+        </p:txBody>
+      </p:sp>
+      <p:cxnSp>
+        <p:nvCxnSpPr>
+          <p:cNvPr id="17" name="Соединительная линия уступом 218">
+            <a:extLst>
+              <a:ext uri="{FF2B5EF4-FFF2-40B4-BE49-F238E27FC236}">
+                <a16:creationId xmlns:a16="http://schemas.microsoft.com/office/drawing/2014/main" id="{BB5C190E-CFB0-42E5-AD8F-F6BB1B948A8F}"/>
+              </a:ext>
+            </a:extLst>
+          </p:cNvPr>
+          <p:cNvCxnSpPr>
+            <a:cxnSpLocks/>
+            <a:stCxn id="12" idx="2"/>
+            <a:endCxn id="13" idx="0"/>
+          </p:cNvCxnSpPr>
+          <p:nvPr/>
+        </p:nvCxnSpPr>
+        <p:spPr>
+          <a:xfrm rot="16200000" flipH="1">
+            <a:off x="15664810" y="1373475"/>
+            <a:ext cx="329072" cy="6350"/>
+          </a:xfrm>
+          <a:prstGeom prst="bentConnector3">
+            <a:avLst>
+              <a:gd name="adj1" fmla="val 50000"/>
+            </a:avLst>
+          </a:prstGeom>
+          <a:ln w="28575">
+            <a:tailEnd type="arrow"/>
+          </a:ln>
+        </p:spPr>
+        <p:style>
+          <a:lnRef idx="1">
+            <a:schemeClr val="accent1"/>
+          </a:lnRef>
+          <a:fillRef idx="0">
+            <a:schemeClr val="accent1"/>
+          </a:fillRef>
+          <a:effectRef idx="0">
+            <a:schemeClr val="accent1"/>
+          </a:effectRef>
+          <a:fontRef idx="minor">
+            <a:schemeClr val="tx1"/>
+          </a:fontRef>
+        </p:style>
+      </p:cxnSp>
+      <p:cxnSp>
+        <p:nvCxnSpPr>
+          <p:cNvPr id="18" name="Соединительная линия уступом 218">
+            <a:extLst>
+              <a:ext uri="{FF2B5EF4-FFF2-40B4-BE49-F238E27FC236}">
+                <a16:creationId xmlns:a16="http://schemas.microsoft.com/office/drawing/2014/main" id="{009532DE-2150-45BC-A5DE-DBBC24676677}"/>
+              </a:ext>
+            </a:extLst>
+          </p:cNvPr>
+          <p:cNvCxnSpPr>
+            <a:cxnSpLocks/>
+            <a:stCxn id="13" idx="2"/>
+            <a:endCxn id="14" idx="0"/>
+          </p:cNvCxnSpPr>
+          <p:nvPr/>
+        </p:nvCxnSpPr>
+        <p:spPr>
+          <a:xfrm rot="5400000">
+            <a:off x="15483929" y="3293577"/>
+            <a:ext cx="697185" cy="12700"/>
           </a:xfrm>
           <a:prstGeom prst="bentConnector3">
             <a:avLst>

--- a/Наработки/книги/Блок-схема сюжета.pptx
+++ b/Наработки/книги/Блок-схема сюжета.pptx
@@ -209,7 +209,7 @@
             <a:fld id="{33E3D7F9-E251-484C-A6FF-FA958879DF69}" type="datetimeFigureOut">
               <a:rPr lang="ru-RU" smtClean="0"/>
               <a:pPr/>
-              <a:t>15.09.2022</a:t>
+              <a:t>28.02.2023</a:t>
             </a:fld>
             <a:endParaRPr lang="ru-RU"/>
           </a:p>
@@ -699,7 +699,7 @@
             <a:fld id="{85A5DE44-605B-4D3B-B2B7-94543DF81A36}" type="datetimeFigureOut">
               <a:rPr lang="ru-RU" smtClean="0"/>
               <a:pPr/>
-              <a:t>15.09.2022</a:t>
+              <a:t>28.02.2023</a:t>
             </a:fld>
             <a:endParaRPr lang="ru-RU"/>
           </a:p>
@@ -871,7 +871,7 @@
             <a:fld id="{85A5DE44-605B-4D3B-B2B7-94543DF81A36}" type="datetimeFigureOut">
               <a:rPr lang="ru-RU" smtClean="0"/>
               <a:pPr/>
-              <a:t>15.09.2022</a:t>
+              <a:t>28.02.2023</a:t>
             </a:fld>
             <a:endParaRPr lang="ru-RU"/>
           </a:p>
@@ -1053,7 +1053,7 @@
             <a:fld id="{85A5DE44-605B-4D3B-B2B7-94543DF81A36}" type="datetimeFigureOut">
               <a:rPr lang="ru-RU" smtClean="0"/>
               <a:pPr/>
-              <a:t>15.09.2022</a:t>
+              <a:t>28.02.2023</a:t>
             </a:fld>
             <a:endParaRPr lang="ru-RU"/>
           </a:p>
@@ -1225,7 +1225,7 @@
             <a:fld id="{85A5DE44-605B-4D3B-B2B7-94543DF81A36}" type="datetimeFigureOut">
               <a:rPr lang="ru-RU" smtClean="0"/>
               <a:pPr/>
-              <a:t>15.09.2022</a:t>
+              <a:t>28.02.2023</a:t>
             </a:fld>
             <a:endParaRPr lang="ru-RU"/>
           </a:p>
@@ -1473,7 +1473,7 @@
             <a:fld id="{85A5DE44-605B-4D3B-B2B7-94543DF81A36}" type="datetimeFigureOut">
               <a:rPr lang="ru-RU" smtClean="0"/>
               <a:pPr/>
-              <a:t>15.09.2022</a:t>
+              <a:t>28.02.2023</a:t>
             </a:fld>
             <a:endParaRPr lang="ru-RU"/>
           </a:p>
@@ -1707,7 +1707,7 @@
             <a:fld id="{85A5DE44-605B-4D3B-B2B7-94543DF81A36}" type="datetimeFigureOut">
               <a:rPr lang="ru-RU" smtClean="0"/>
               <a:pPr/>
-              <a:t>15.09.2022</a:t>
+              <a:t>28.02.2023</a:t>
             </a:fld>
             <a:endParaRPr lang="ru-RU"/>
           </a:p>
@@ -2076,7 +2076,7 @@
             <a:fld id="{85A5DE44-605B-4D3B-B2B7-94543DF81A36}" type="datetimeFigureOut">
               <a:rPr lang="ru-RU" smtClean="0"/>
               <a:pPr/>
-              <a:t>15.09.2022</a:t>
+              <a:t>28.02.2023</a:t>
             </a:fld>
             <a:endParaRPr lang="ru-RU"/>
           </a:p>
@@ -2196,7 +2196,7 @@
             <a:fld id="{85A5DE44-605B-4D3B-B2B7-94543DF81A36}" type="datetimeFigureOut">
               <a:rPr lang="ru-RU" smtClean="0"/>
               <a:pPr/>
-              <a:t>15.09.2022</a:t>
+              <a:t>28.02.2023</a:t>
             </a:fld>
             <a:endParaRPr lang="ru-RU"/>
           </a:p>
@@ -2293,7 +2293,7 @@
             <a:fld id="{85A5DE44-605B-4D3B-B2B7-94543DF81A36}" type="datetimeFigureOut">
               <a:rPr lang="ru-RU" smtClean="0"/>
               <a:pPr/>
-              <a:t>15.09.2022</a:t>
+              <a:t>28.02.2023</a:t>
             </a:fld>
             <a:endParaRPr lang="ru-RU"/>
           </a:p>
@@ -2572,7 +2572,7 @@
             <a:fld id="{85A5DE44-605B-4D3B-B2B7-94543DF81A36}" type="datetimeFigureOut">
               <a:rPr lang="ru-RU" smtClean="0"/>
               <a:pPr/>
-              <a:t>15.09.2022</a:t>
+              <a:t>28.02.2023</a:t>
             </a:fld>
             <a:endParaRPr lang="ru-RU"/>
           </a:p>
@@ -2831,7 +2831,7 @@
             <a:fld id="{85A5DE44-605B-4D3B-B2B7-94543DF81A36}" type="datetimeFigureOut">
               <a:rPr lang="ru-RU" smtClean="0"/>
               <a:pPr/>
-              <a:t>15.09.2022</a:t>
+              <a:t>28.02.2023</a:t>
             </a:fld>
             <a:endParaRPr lang="ru-RU"/>
           </a:p>
@@ -3046,7 +3046,7 @@
             <a:fld id="{85A5DE44-605B-4D3B-B2B7-94543DF81A36}" type="datetimeFigureOut">
               <a:rPr lang="ru-RU" smtClean="0"/>
               <a:pPr/>
-              <a:t>15.09.2022</a:t>
+              <a:t>28.02.2023</a:t>
             </a:fld>
             <a:endParaRPr lang="ru-RU"/>
           </a:p>
@@ -3973,7 +3973,7 @@
             <a:pPr algn="ctr"/>
             <a:r>
               <a:rPr lang="ru-RU" sz="1400" dirty="0"/>
-              <a:t>Очнулся в новом мире после аварии и обнаружил что демон высасывает у него кровь, развалил демона камня, понял что пиздец вокруг и потерял сознание</a:t>
+              <a:t>Очнулся в новом мире после аварии и обнаружил что демон высасывает у него кровь, развалил демона камнем, понял что пиздец вокруг и потерял сознание</a:t>
             </a:r>
           </a:p>
         </p:txBody>
